--- a/Courses/Computer-Modeling-and-IT/Computer-Modeling-and-IT-6-Class/28-Linear-аnd-Branching-Algorithm-Implementation/28.2-Debugging-and-Variable-Lifetime.pptx
+++ b/Courses/Computer-Modeling-and-IT/Computer-Modeling-and-IT-6-Class/28-Linear-аnd-Branching-Algorithm-Implementation/28.2-Debugging-and-Variable-Lifetime.pptx
@@ -279,7 +279,7 @@
           <a:p>
             <a:fld id="{4E087215-0C8F-4762-A664-737A353EC9A4}" type="datetimeFigureOut">
               <a:rPr lang="bg-BG" smtClean="0"/>
-              <a:t>6.9.2025 г.</a:t>
+              <a:t>8.9.2025 г.</a:t>
             </a:fld>
             <a:endParaRPr lang="bg-BG"/>
           </a:p>
@@ -475,7 +475,7 @@
           <a:p>
             <a:fld id="{72D84649-876A-46C9-8472-14CB09C070D8}" type="datetimeFigureOut">
               <a:rPr lang="en-US" smtClean="0"/>
-              <a:t>9/6/2025</a:t>
+              <a:t>9/8/2025</a:t>
             </a:fld>
             <a:endParaRPr lang="en-US"/>
           </a:p>
@@ -7001,6 +7001,46 @@
           </a:prstGeom>
         </p:spPr>
       </p:pic>
+      <p:sp>
+        <p:nvSpPr>
+          <p:cNvPr id="3" name="Subtitle 11">
+            <a:extLst>
+              <a:ext uri="{FF2B5EF4-FFF2-40B4-BE49-F238E27FC236}">
+                <a16:creationId xmlns:a16="http://schemas.microsoft.com/office/drawing/2014/main" id="{1B1676FC-AD6D-3188-D813-12D3E16BA237}"/>
+              </a:ext>
+            </a:extLst>
+          </p:cNvPr>
+          <p:cNvSpPr>
+            <a:spLocks noGrp="1"/>
+          </p:cNvSpPr>
+          <p:nvPr>
+            <p:ph type="subTitle" idx="1"/>
+          </p:nvPr>
+        </p:nvSpPr>
+        <p:spPr>
+          <a:xfrm>
+            <a:off x="554744" y="1793101"/>
+            <a:ext cx="11083636" cy="918803"/>
+          </a:xfrm>
+        </p:spPr>
+        <p:txBody>
+          <a:bodyPr>
+            <a:normAutofit/>
+          </a:bodyPr>
+          <a:lstStyle/>
+          <a:p>
+            <a:r>
+              <a:rPr lang="ru-RU" dirty="0"/>
+              <a:t>Условна конструкция </a:t>
+            </a:r>
+            <a:r>
+              <a:rPr lang="en-GB" dirty="0"/>
+              <a:t>If-else</a:t>
+            </a:r>
+            <a:endParaRPr lang="en-US" dirty="0"/>
+          </a:p>
+        </p:txBody>
+      </p:sp>
     </p:spTree>
     <p:extLst>
       <p:ext uri="{BB962C8B-B14F-4D97-AF65-F5344CB8AC3E}">
